--- a/Customer Segmentation Analysis for Nigerian E-Commerce.pptx
+++ b/Customer Segmentation Analysis for Nigerian E-Commerce.pptx
@@ -15,6 +15,7 @@
     <p:sldId id="263" r:id="rId9"/>
     <p:sldId id="264" r:id="rId10"/>
     <p:sldId id="265" r:id="rId11"/>
+    <p:sldId id="266" r:id="rId12"/>
   </p:sldIdLst>
   <p:sldSz cx="12192000" cy="6858000"/>
   <p:notesSz cx="6858000" cy="9144000"/>
@@ -268,7 +269,7 @@
           <a:p>
             <a:fld id="{B6761645-A7FF-476A-97C3-6F4A409E9CEA}" type="datetimeFigureOut">
               <a:rPr lang="en-US" smtClean="0"/>
-              <a:t>12/14/2025</a:t>
+              <a:t>12/15/2025</a:t>
             </a:fld>
             <a:endParaRPr lang="en-US"/>
           </a:p>
@@ -466,7 +467,7 @@
           <a:p>
             <a:fld id="{B6761645-A7FF-476A-97C3-6F4A409E9CEA}" type="datetimeFigureOut">
               <a:rPr lang="en-US" smtClean="0"/>
-              <a:t>12/14/2025</a:t>
+              <a:t>12/15/2025</a:t>
             </a:fld>
             <a:endParaRPr lang="en-US"/>
           </a:p>
@@ -674,7 +675,7 @@
           <a:p>
             <a:fld id="{B6761645-A7FF-476A-97C3-6F4A409E9CEA}" type="datetimeFigureOut">
               <a:rPr lang="en-US" smtClean="0"/>
-              <a:t>12/14/2025</a:t>
+              <a:t>12/15/2025</a:t>
             </a:fld>
             <a:endParaRPr lang="en-US"/>
           </a:p>
@@ -872,7 +873,7 @@
           <a:p>
             <a:fld id="{B6761645-A7FF-476A-97C3-6F4A409E9CEA}" type="datetimeFigureOut">
               <a:rPr lang="en-US" smtClean="0"/>
-              <a:t>12/14/2025</a:t>
+              <a:t>12/15/2025</a:t>
             </a:fld>
             <a:endParaRPr lang="en-US"/>
           </a:p>
@@ -1147,7 +1148,7 @@
           <a:p>
             <a:fld id="{B6761645-A7FF-476A-97C3-6F4A409E9CEA}" type="datetimeFigureOut">
               <a:rPr lang="en-US" smtClean="0"/>
-              <a:t>12/14/2025</a:t>
+              <a:t>12/15/2025</a:t>
             </a:fld>
             <a:endParaRPr lang="en-US"/>
           </a:p>
@@ -1412,7 +1413,7 @@
           <a:p>
             <a:fld id="{B6761645-A7FF-476A-97C3-6F4A409E9CEA}" type="datetimeFigureOut">
               <a:rPr lang="en-US" smtClean="0"/>
-              <a:t>12/14/2025</a:t>
+              <a:t>12/15/2025</a:t>
             </a:fld>
             <a:endParaRPr lang="en-US"/>
           </a:p>
@@ -1824,7 +1825,7 @@
           <a:p>
             <a:fld id="{B6761645-A7FF-476A-97C3-6F4A409E9CEA}" type="datetimeFigureOut">
               <a:rPr lang="en-US" smtClean="0"/>
-              <a:t>12/14/2025</a:t>
+              <a:t>12/15/2025</a:t>
             </a:fld>
             <a:endParaRPr lang="en-US"/>
           </a:p>
@@ -1965,7 +1966,7 @@
           <a:p>
             <a:fld id="{B6761645-A7FF-476A-97C3-6F4A409E9CEA}" type="datetimeFigureOut">
               <a:rPr lang="en-US" smtClean="0"/>
-              <a:t>12/14/2025</a:t>
+              <a:t>12/15/2025</a:t>
             </a:fld>
             <a:endParaRPr lang="en-US"/>
           </a:p>
@@ -2078,7 +2079,7 @@
           <a:p>
             <a:fld id="{B6761645-A7FF-476A-97C3-6F4A409E9CEA}" type="datetimeFigureOut">
               <a:rPr lang="en-US" smtClean="0"/>
-              <a:t>12/14/2025</a:t>
+              <a:t>12/15/2025</a:t>
             </a:fld>
             <a:endParaRPr lang="en-US"/>
           </a:p>
@@ -2389,7 +2390,7 @@
           <a:p>
             <a:fld id="{B6761645-A7FF-476A-97C3-6F4A409E9CEA}" type="datetimeFigureOut">
               <a:rPr lang="en-US" smtClean="0"/>
-              <a:t>12/14/2025</a:t>
+              <a:t>12/15/2025</a:t>
             </a:fld>
             <a:endParaRPr lang="en-US"/>
           </a:p>
@@ -2677,7 +2678,7 @@
           <a:p>
             <a:fld id="{B6761645-A7FF-476A-97C3-6F4A409E9CEA}" type="datetimeFigureOut">
               <a:rPr lang="en-US" smtClean="0"/>
-              <a:t>12/14/2025</a:t>
+              <a:t>12/15/2025</a:t>
             </a:fld>
             <a:endParaRPr lang="en-US"/>
           </a:p>
@@ -2918,7 +2919,7 @@
           <a:p>
             <a:fld id="{B6761645-A7FF-476A-97C3-6F4A409E9CEA}" type="datetimeFigureOut">
               <a:rPr lang="en-US" smtClean="0"/>
-              <a:t>12/14/2025</a:t>
+              <a:t>12/15/2025</a:t>
             </a:fld>
             <a:endParaRPr lang="en-US"/>
           </a:p>
@@ -3553,6 +3554,116 @@
 </p:sld>
 </file>
 
+<file path=ppt/slides/slide11.xml><?xml version="1.0" encoding="utf-8"?>
+<p:sld xmlns:a="http://schemas.openxmlformats.org/drawingml/2006/main" xmlns:r="http://schemas.openxmlformats.org/officeDocument/2006/relationships" xmlns:p="http://schemas.openxmlformats.org/presentationml/2006/main">
+  <p:cSld>
+    <p:spTree>
+      <p:nvGrpSpPr>
+        <p:cNvPr id="1" name=""/>
+        <p:cNvGrpSpPr/>
+        <p:nvPr/>
+      </p:nvGrpSpPr>
+      <p:grpSpPr>
+        <a:xfrm>
+          <a:off x="0" y="0"/>
+          <a:ext cx="0" cy="0"/>
+          <a:chOff x="0" y="0"/>
+          <a:chExt cx="0" cy="0"/>
+        </a:xfrm>
+      </p:grpSpPr>
+      <p:sp>
+        <p:nvSpPr>
+          <p:cNvPr id="2" name="Title 1">
+            <a:extLst>
+              <a:ext uri="{FF2B5EF4-FFF2-40B4-BE49-F238E27FC236}">
+                <a16:creationId xmlns:a16="http://schemas.microsoft.com/office/drawing/2014/main" id="{DBF38B3F-A827-253B-FB83-7F5FAB62A6B5}"/>
+              </a:ext>
+            </a:extLst>
+          </p:cNvPr>
+          <p:cNvSpPr>
+            <a:spLocks noGrp="1"/>
+          </p:cNvSpPr>
+          <p:nvPr>
+            <p:ph type="title"/>
+          </p:nvPr>
+        </p:nvSpPr>
+        <p:spPr/>
+        <p:txBody>
+          <a:bodyPr/>
+          <a:lstStyle/>
+          <a:p>
+            <a:pPr algn="ctr"/>
+            <a:r>
+              <a:rPr lang="en-US" b="1" dirty="0"/>
+              <a:t>Conclusion</a:t>
+            </a:r>
+          </a:p>
+        </p:txBody>
+      </p:sp>
+      <p:sp>
+        <p:nvSpPr>
+          <p:cNvPr id="3" name="Content Placeholder 2">
+            <a:extLst>
+              <a:ext uri="{FF2B5EF4-FFF2-40B4-BE49-F238E27FC236}">
+                <a16:creationId xmlns:a16="http://schemas.microsoft.com/office/drawing/2014/main" id="{FC5DC70A-072A-FFF0-6971-0420C7F1916F}"/>
+              </a:ext>
+            </a:extLst>
+          </p:cNvPr>
+          <p:cNvSpPr>
+            <a:spLocks noGrp="1"/>
+          </p:cNvSpPr>
+          <p:nvPr>
+            <p:ph idx="1"/>
+          </p:nvPr>
+        </p:nvSpPr>
+        <p:spPr/>
+        <p:txBody>
+          <a:bodyPr>
+            <a:normAutofit fontScale="92500" lnSpcReduction="10000"/>
+          </a:bodyPr>
+          <a:lstStyle/>
+          <a:p>
+            <a:r>
+              <a:rPr lang="en-US" dirty="0"/>
+              <a:t>This project successfully applied data analytics and machine learning techniques to segment customers in a Nigerian e-commerce dataset.</a:t>
+            </a:r>
+          </a:p>
+          <a:p>
+            <a:r>
+              <a:rPr lang="en-US" dirty="0"/>
+              <a:t>Through data preprocessing, RFM analysis, feature engineering, and K-Means clustering, the study identified two distinct customer segments: standard customers and VIP/wholesale customers.</a:t>
+            </a:r>
+          </a:p>
+          <a:p>
+            <a:r>
+              <a:rPr lang="en-US" dirty="0"/>
+              <a:t>The findings demonstrate that customer segmentation can provide valuable insights into purchasing behavior, enabling businesses to implement targeted marketing strategies, improve customer retention, and enhance product recommendation systems.</a:t>
+            </a:r>
+          </a:p>
+          <a:p>
+            <a:r>
+              <a:rPr lang="en-US" dirty="0"/>
+              <a:t>Overall, this analysis highlights the importance of data-driven decision-making in e-commerce and shows how customer data can be transformed into actionable business insights.</a:t>
+            </a:r>
+          </a:p>
+          <a:p>
+            <a:endParaRPr lang="en-US" dirty="0"/>
+          </a:p>
+        </p:txBody>
+      </p:sp>
+    </p:spTree>
+    <p:extLst>
+      <p:ext uri="{BB962C8B-B14F-4D97-AF65-F5344CB8AC3E}">
+        <p14:creationId xmlns:p14="http://schemas.microsoft.com/office/powerpoint/2010/main" val="2112398536"/>
+      </p:ext>
+    </p:extLst>
+  </p:cSld>
+  <p:clrMapOvr>
+    <a:masterClrMapping/>
+  </p:clrMapOvr>
+</p:sld>
+</file>
+
 <file path=ppt/slides/slide2.xml><?xml version="1.0" encoding="utf-8"?>
 <p:sld xmlns:a="http://schemas.openxmlformats.org/drawingml/2006/main" xmlns:r="http://schemas.openxmlformats.org/officeDocument/2006/relationships" xmlns:p="http://schemas.openxmlformats.org/presentationml/2006/main">
   <p:cSld>
@@ -3701,7 +3812,7 @@
             </a:r>
             <a:r>
               <a:rPr lang="en-US" dirty="0"/>
-              <a:t> Aggregated data by Recency, Frequency, and Monetary value.</a:t>
+              <a:t> Aggregated data by recency, frequency and monetary value.</a:t>
             </a:r>
           </a:p>
           <a:p>
@@ -3712,7 +3823,7 @@
             </a:r>
             <a:r>
               <a:rPr lang="en-US" dirty="0"/>
-              <a:t> Created Loyalty Index and Engagement Scores.</a:t>
+              <a:t> Created loyalty index and engagement scores.</a:t>
             </a:r>
           </a:p>
           <a:p>
